--- a/DOC/240930_파일나누기심화.pptx
+++ b/DOC/240930_파일나누기심화.pptx
@@ -3763,8 +3763,8 @@
             <a:chExt cx="8100000" cy="1016280"/>
           </a:xfrm>
         </p:grpSpPr>
-        <mc:AlternateContent xmlns:mc="http://schemas.openxmlformats.org/markup-compatibility/2006">
-          <mc:Choice xmlns:p14="http://schemas.microsoft.com/office/powerpoint/2010/main" Requires="p14">
+        <mc:AlternateContent xmlns:mc="http://schemas.openxmlformats.org/markup-compatibility/2006" xmlns:p14="http://schemas.microsoft.com/office/powerpoint/2010/main">
+          <mc:Choice Requires="p14">
             <p:contentPart p14:bwMode="auto" r:id="rId3">
               <p14:nvContentPartPr>
                 <p14:cNvPr id="7" name="잉크 6">
@@ -3783,7 +3783,7 @@
               </p14:xfrm>
             </p:contentPart>
           </mc:Choice>
-          <mc:Fallback>
+          <mc:Fallback xmlns="">
             <p:pic>
               <p:nvPicPr>
                 <p:cNvPr id="7" name="잉크 6">
@@ -3814,8 +3814,8 @@
             </p:pic>
           </mc:Fallback>
         </mc:AlternateContent>
-        <mc:AlternateContent xmlns:mc="http://schemas.openxmlformats.org/markup-compatibility/2006">
-          <mc:Choice xmlns:p14="http://schemas.microsoft.com/office/powerpoint/2010/main" Requires="p14">
+        <mc:AlternateContent xmlns:mc="http://schemas.openxmlformats.org/markup-compatibility/2006" xmlns:p14="http://schemas.microsoft.com/office/powerpoint/2010/main">
+          <mc:Choice Requires="p14">
             <p:contentPart p14:bwMode="auto" r:id="rId5">
               <p14:nvContentPartPr>
                 <p14:cNvPr id="8" name="잉크 7">
@@ -3834,7 +3834,7 @@
               </p14:xfrm>
             </p:contentPart>
           </mc:Choice>
-          <mc:Fallback>
+          <mc:Fallback xmlns="">
             <p:pic>
               <p:nvPicPr>
                 <p:cNvPr id="8" name="잉크 7">
@@ -3865,8 +3865,8 @@
             </p:pic>
           </mc:Fallback>
         </mc:AlternateContent>
-        <mc:AlternateContent xmlns:mc="http://schemas.openxmlformats.org/markup-compatibility/2006">
-          <mc:Choice xmlns:p14="http://schemas.microsoft.com/office/powerpoint/2010/main" Requires="p14">
+        <mc:AlternateContent xmlns:mc="http://schemas.openxmlformats.org/markup-compatibility/2006" xmlns:p14="http://schemas.microsoft.com/office/powerpoint/2010/main">
+          <mc:Choice Requires="p14">
             <p:contentPart p14:bwMode="auto" r:id="rId7">
               <p14:nvContentPartPr>
                 <p14:cNvPr id="9" name="잉크 8">
@@ -3885,7 +3885,7 @@
               </p14:xfrm>
             </p:contentPart>
           </mc:Choice>
-          <mc:Fallback>
+          <mc:Fallback xmlns="">
             <p:pic>
               <p:nvPicPr>
                 <p:cNvPr id="9" name="잉크 8">
@@ -3977,8 +3977,8 @@
             <a:chExt cx="4463640" cy="1766880"/>
           </a:xfrm>
         </p:grpSpPr>
-        <mc:AlternateContent xmlns:mc="http://schemas.openxmlformats.org/markup-compatibility/2006">
-          <mc:Choice xmlns:p14="http://schemas.microsoft.com/office/powerpoint/2010/main" Requires="p14">
+        <mc:AlternateContent xmlns:mc="http://schemas.openxmlformats.org/markup-compatibility/2006" xmlns:p14="http://schemas.microsoft.com/office/powerpoint/2010/main">
+          <mc:Choice Requires="p14">
             <p:contentPart p14:bwMode="auto" r:id="rId9">
               <p14:nvContentPartPr>
                 <p14:cNvPr id="12" name="잉크 11">
@@ -3997,7 +3997,7 @@
               </p14:xfrm>
             </p:contentPart>
           </mc:Choice>
-          <mc:Fallback>
+          <mc:Fallback xmlns="">
             <p:pic>
               <p:nvPicPr>
                 <p:cNvPr id="12" name="잉크 11">
@@ -4028,8 +4028,8 @@
             </p:pic>
           </mc:Fallback>
         </mc:AlternateContent>
-        <mc:AlternateContent xmlns:mc="http://schemas.openxmlformats.org/markup-compatibility/2006">
-          <mc:Choice xmlns:p14="http://schemas.microsoft.com/office/powerpoint/2010/main" Requires="p14">
+        <mc:AlternateContent xmlns:mc="http://schemas.openxmlformats.org/markup-compatibility/2006" xmlns:p14="http://schemas.microsoft.com/office/powerpoint/2010/main">
+          <mc:Choice Requires="p14">
             <p:contentPart p14:bwMode="auto" r:id="rId11">
               <p14:nvContentPartPr>
                 <p14:cNvPr id="13" name="잉크 12">
@@ -4048,7 +4048,7 @@
               </p14:xfrm>
             </p:contentPart>
           </mc:Choice>
-          <mc:Fallback>
+          <mc:Fallback xmlns="">
             <p:pic>
               <p:nvPicPr>
                 <p:cNvPr id="13" name="잉크 12">
@@ -4079,8 +4079,8 @@
             </p:pic>
           </mc:Fallback>
         </mc:AlternateContent>
-        <mc:AlternateContent xmlns:mc="http://schemas.openxmlformats.org/markup-compatibility/2006">
-          <mc:Choice xmlns:p14="http://schemas.microsoft.com/office/powerpoint/2010/main" Requires="p14">
+        <mc:AlternateContent xmlns:mc="http://schemas.openxmlformats.org/markup-compatibility/2006" xmlns:p14="http://schemas.microsoft.com/office/powerpoint/2010/main">
+          <mc:Choice Requires="p14">
             <p:contentPart p14:bwMode="auto" r:id="rId13">
               <p14:nvContentPartPr>
                 <p14:cNvPr id="14" name="잉크 13">
@@ -4099,7 +4099,7 @@
               </p14:xfrm>
             </p:contentPart>
           </mc:Choice>
-          <mc:Fallback>
+          <mc:Fallback xmlns="">
             <p:pic>
               <p:nvPicPr>
                 <p:cNvPr id="14" name="잉크 13">
@@ -4553,8 +4553,8 @@
           </a:prstGeom>
         </p:spPr>
       </p:pic>
-      <mc:AlternateContent xmlns:mc="http://schemas.openxmlformats.org/markup-compatibility/2006">
-        <mc:Choice xmlns:p14="http://schemas.microsoft.com/office/powerpoint/2010/main" Requires="p14">
+      <mc:AlternateContent xmlns:mc="http://schemas.openxmlformats.org/markup-compatibility/2006" xmlns:p14="http://schemas.microsoft.com/office/powerpoint/2010/main">
+        <mc:Choice Requires="p14">
           <p:contentPart p14:bwMode="auto" r:id="rId3">
             <p14:nvContentPartPr>
               <p14:cNvPr id="4" name="잉크 3">
@@ -4573,7 +4573,7 @@
             </p14:xfrm>
           </p:contentPart>
         </mc:Choice>
-        <mc:Fallback>
+        <mc:Fallback xmlns="">
           <p:pic>
             <p:nvPicPr>
               <p:cNvPr id="4" name="잉크 3">
@@ -4604,8 +4604,8 @@
           </p:pic>
         </mc:Fallback>
       </mc:AlternateContent>
-      <mc:AlternateContent xmlns:mc="http://schemas.openxmlformats.org/markup-compatibility/2006">
-        <mc:Choice xmlns:p14="http://schemas.microsoft.com/office/powerpoint/2010/main" Requires="p14">
+      <mc:AlternateContent xmlns:mc="http://schemas.openxmlformats.org/markup-compatibility/2006" xmlns:p14="http://schemas.microsoft.com/office/powerpoint/2010/main">
+        <mc:Choice Requires="p14">
           <p:contentPart p14:bwMode="auto" r:id="rId5">
             <p14:nvContentPartPr>
               <p14:cNvPr id="5" name="잉크 4">
@@ -4624,7 +4624,7 @@
             </p14:xfrm>
           </p:contentPart>
         </mc:Choice>
-        <mc:Fallback>
+        <mc:Fallback xmlns="">
           <p:pic>
             <p:nvPicPr>
               <p:cNvPr id="5" name="잉크 4">
@@ -5260,8 +5260,8 @@
           </a:prstGeom>
         </p:spPr>
       </p:pic>
-      <mc:AlternateContent xmlns:mc="http://schemas.openxmlformats.org/markup-compatibility/2006">
-        <mc:Choice xmlns:p14="http://schemas.microsoft.com/office/powerpoint/2010/main" Requires="p14">
+      <mc:AlternateContent xmlns:mc="http://schemas.openxmlformats.org/markup-compatibility/2006" xmlns:p14="http://schemas.microsoft.com/office/powerpoint/2010/main">
+        <mc:Choice Requires="p14">
           <p:contentPart p14:bwMode="auto" r:id="rId4">
             <p14:nvContentPartPr>
               <p14:cNvPr id="6" name="잉크 5">
@@ -5280,7 +5280,7 @@
             </p14:xfrm>
           </p:contentPart>
         </mc:Choice>
-        <mc:Fallback>
+        <mc:Fallback xmlns="">
           <p:pic>
             <p:nvPicPr>
               <p:cNvPr id="6" name="잉크 5">
@@ -5311,6 +5311,66 @@
           </p:pic>
         </mc:Fallback>
       </mc:AlternateContent>
+      <p:sp>
+        <p:nvSpPr>
+          <p:cNvPr id="2" name="TextBox 1">
+            <a:extLst>
+              <a:ext uri="{FF2B5EF4-FFF2-40B4-BE49-F238E27FC236}">
+                <a16:creationId xmlns:a16="http://schemas.microsoft.com/office/drawing/2014/main" id="{3F1B5021-444A-D310-0746-0F2866D3121E}"/>
+              </a:ext>
+            </a:extLst>
+          </p:cNvPr>
+          <p:cNvSpPr txBox="1"/>
+          <p:nvPr/>
+        </p:nvSpPr>
+        <p:spPr>
+          <a:xfrm>
+            <a:off x="533399" y="415150"/>
+            <a:ext cx="11077575" cy="369332"/>
+          </a:xfrm>
+          <a:prstGeom prst="rect">
+            <a:avLst/>
+          </a:prstGeom>
+        </p:spPr>
+        <p:style>
+          <a:lnRef idx="2">
+            <a:schemeClr val="accent6"/>
+          </a:lnRef>
+          <a:fillRef idx="1">
+            <a:schemeClr val="lt1"/>
+          </a:fillRef>
+          <a:effectRef idx="0">
+            <a:schemeClr val="accent6"/>
+          </a:effectRef>
+          <a:fontRef idx="minor">
+            <a:schemeClr val="dk1"/>
+          </a:fontRef>
+        </p:style>
+        <p:txBody>
+          <a:bodyPr wrap="square">
+            <a:spAutoFit/>
+          </a:bodyPr>
+          <a:lstStyle/>
+          <a:p>
+            <a:r>
+              <a:rPr lang="ko-KR" altLang="en-US" dirty="0"/>
+              <a:t>경로 </a:t>
+            </a:r>
+            <a:r>
+              <a:rPr lang="ko-KR" altLang="en-US" dirty="0" err="1"/>
+              <a:t>메크로는</a:t>
+            </a:r>
+            <a:r>
+              <a:rPr lang="ko-KR" altLang="en-US" dirty="0"/>
+              <a:t> 다음의 항목에서 확인이 가능하다</a:t>
+            </a:r>
+            <a:r>
+              <a:rPr lang="en-US" altLang="ko-KR" dirty="0"/>
+              <a:t>.</a:t>
+            </a:r>
+          </a:p>
+        </p:txBody>
+      </p:sp>
     </p:spTree>
     <p:extLst>
       <p:ext uri="{BB962C8B-B14F-4D97-AF65-F5344CB8AC3E}">
@@ -5341,6 +5401,252 @@
           <a:chExt cx="0" cy="0"/>
         </a:xfrm>
       </p:grpSpPr>
+      <p:pic>
+        <p:nvPicPr>
+          <p:cNvPr id="4" name="그림 3">
+            <a:extLst>
+              <a:ext uri="{FF2B5EF4-FFF2-40B4-BE49-F238E27FC236}">
+                <a16:creationId xmlns:a16="http://schemas.microsoft.com/office/drawing/2014/main" id="{CB4881B6-F4AB-8C44-1804-DE2E8A25B321}"/>
+              </a:ext>
+            </a:extLst>
+          </p:cNvPr>
+          <p:cNvPicPr>
+            <a:picLocks noChangeAspect="1"/>
+          </p:cNvPicPr>
+          <p:nvPr/>
+        </p:nvPicPr>
+        <p:blipFill>
+          <a:blip r:embed="rId2"/>
+          <a:stretch>
+            <a:fillRect/>
+          </a:stretch>
+        </p:blipFill>
+        <p:spPr>
+          <a:xfrm>
+            <a:off x="503147" y="618598"/>
+            <a:ext cx="4946307" cy="5620804"/>
+          </a:xfrm>
+          <a:prstGeom prst="rect">
+            <a:avLst/>
+          </a:prstGeom>
+        </p:spPr>
+      </p:pic>
+      <p:sp>
+        <p:nvSpPr>
+          <p:cNvPr id="5" name="TextBox 4">
+            <a:extLst>
+              <a:ext uri="{FF2B5EF4-FFF2-40B4-BE49-F238E27FC236}">
+                <a16:creationId xmlns:a16="http://schemas.microsoft.com/office/drawing/2014/main" id="{BFA5D6BC-47D6-712F-DA4B-3859324FD17E}"/>
+              </a:ext>
+            </a:extLst>
+          </p:cNvPr>
+          <p:cNvSpPr txBox="1"/>
+          <p:nvPr/>
+        </p:nvSpPr>
+        <p:spPr>
+          <a:xfrm>
+            <a:off x="5745018" y="415150"/>
+            <a:ext cx="5865956" cy="2862322"/>
+          </a:xfrm>
+          <a:prstGeom prst="rect">
+            <a:avLst/>
+          </a:prstGeom>
+        </p:spPr>
+        <p:style>
+          <a:lnRef idx="2">
+            <a:schemeClr val="accent6"/>
+          </a:lnRef>
+          <a:fillRef idx="1">
+            <a:schemeClr val="lt1"/>
+          </a:fillRef>
+          <a:effectRef idx="0">
+            <a:schemeClr val="accent6"/>
+          </a:effectRef>
+          <a:fontRef idx="minor">
+            <a:schemeClr val="dk1"/>
+          </a:fontRef>
+        </p:style>
+        <p:txBody>
+          <a:bodyPr wrap="square">
+            <a:spAutoFit/>
+          </a:bodyPr>
+          <a:lstStyle/>
+          <a:p>
+            <a:endParaRPr lang="en-US" altLang="ko-KR" dirty="0"/>
+          </a:p>
+          <a:p>
+            <a:r>
+              <a:rPr lang="ko-KR" altLang="en-US" dirty="0"/>
+              <a:t>보통 </a:t>
+            </a:r>
+            <a:r>
+              <a:rPr lang="en-US" altLang="ko-KR" dirty="0"/>
+              <a:t>4</a:t>
+            </a:r>
+            <a:r>
+              <a:rPr lang="ko-KR" altLang="en-US" dirty="0"/>
+              <a:t>단계로 나눕니다</a:t>
+            </a:r>
+            <a:r>
+              <a:rPr lang="en-US" altLang="ko-KR" dirty="0"/>
+              <a:t>.</a:t>
+            </a:r>
+          </a:p>
+          <a:p>
+            <a:endParaRPr lang="en-US" altLang="ko-KR" dirty="0"/>
+          </a:p>
+          <a:p>
+            <a:r>
+              <a:rPr lang="en-US" altLang="ko-KR" dirty="0"/>
+              <a:t>0 Base =&gt; </a:t>
+            </a:r>
+            <a:r>
+              <a:rPr lang="ko-KR" altLang="en-US" dirty="0"/>
+              <a:t>수학 디버깅 관련 클래스들</a:t>
+            </a:r>
+            <a:endParaRPr lang="en-US" altLang="ko-KR" dirty="0"/>
+          </a:p>
+          <a:p>
+            <a:pPr marL="342900" indent="-342900">
+              <a:buAutoNum type="arabicPeriod"/>
+            </a:pPr>
+            <a:r>
+              <a:rPr lang="en-US" altLang="ko-KR" b="0" i="0" dirty="0">
+                <a:solidFill>
+                  <a:srgbClr val="212529"/>
+                </a:solidFill>
+                <a:effectLst/>
+                <a:latin typeface="Pretendard JP"/>
+              </a:rPr>
+              <a:t>Platform =&gt; </a:t>
+            </a:r>
+            <a:r>
+              <a:rPr lang="en-US" altLang="ko-KR" dirty="0">
+                <a:solidFill>
+                  <a:srgbClr val="212529"/>
+                </a:solidFill>
+                <a:latin typeface="Pretendard JP"/>
+              </a:rPr>
+              <a:t>window</a:t>
+            </a:r>
+            <a:r>
+              <a:rPr lang="ko-KR" altLang="en-US" dirty="0">
+                <a:solidFill>
+                  <a:srgbClr val="212529"/>
+                </a:solidFill>
+                <a:latin typeface="Pretendard JP"/>
+              </a:rPr>
+              <a:t> 리눅스 등등</a:t>
+            </a:r>
+            <a:endParaRPr lang="en-US" altLang="ko-KR" dirty="0">
+              <a:solidFill>
+                <a:srgbClr val="212529"/>
+              </a:solidFill>
+              <a:latin typeface="Pretendard JP"/>
+            </a:endParaRPr>
+          </a:p>
+          <a:p>
+            <a:pPr marL="342900" indent="-342900">
+              <a:buAutoNum type="arabicPeriod"/>
+            </a:pPr>
+            <a:r>
+              <a:rPr lang="en-US" altLang="ko-KR" b="0" i="0" dirty="0">
+                <a:solidFill>
+                  <a:srgbClr val="212529"/>
+                </a:solidFill>
+                <a:effectLst/>
+                <a:latin typeface="Pretendard JP"/>
+              </a:rPr>
+              <a:t>Engine =&gt; </a:t>
+            </a:r>
+            <a:r>
+              <a:rPr lang="ko-KR" altLang="en-US" b="0" i="0" dirty="0">
+                <a:solidFill>
+                  <a:srgbClr val="212529"/>
+                </a:solidFill>
+                <a:effectLst/>
+                <a:latin typeface="Pretendard JP"/>
+              </a:rPr>
+              <a:t>실제 엔진 부모클래스들 컨텐츠를 만드는데 도움주는 클래스들</a:t>
+            </a:r>
+            <a:endParaRPr lang="en-US" altLang="ko-KR" b="0" i="0" dirty="0">
+              <a:solidFill>
+                <a:srgbClr val="212529"/>
+              </a:solidFill>
+              <a:effectLst/>
+              <a:latin typeface="Pretendard JP"/>
+            </a:endParaRPr>
+          </a:p>
+          <a:p>
+            <a:pPr marL="342900" indent="-342900">
+              <a:buAutoNum type="arabicPeriod"/>
+            </a:pPr>
+            <a:r>
+              <a:rPr lang="en-US" altLang="ko-KR" b="0" i="0" dirty="0">
+                <a:solidFill>
+                  <a:srgbClr val="212529"/>
+                </a:solidFill>
+                <a:effectLst/>
+                <a:latin typeface="Pretendard JP"/>
+              </a:rPr>
+              <a:t>contents</a:t>
+            </a:r>
+            <a:r>
+              <a:rPr lang="ko-KR" altLang="en-US" b="0" i="0" dirty="0">
+                <a:solidFill>
+                  <a:srgbClr val="212529"/>
+                </a:solidFill>
+                <a:effectLst/>
+                <a:latin typeface="Pretendard JP"/>
+              </a:rPr>
+              <a:t> </a:t>
+            </a:r>
+            <a:r>
+              <a:rPr lang="en-US" altLang="ko-KR" b="0" i="0" dirty="0">
+                <a:solidFill>
+                  <a:srgbClr val="212529"/>
+                </a:solidFill>
+                <a:effectLst/>
+                <a:latin typeface="Pretendard JP"/>
+              </a:rPr>
+              <a:t>=&gt; </a:t>
+            </a:r>
+            <a:r>
+              <a:rPr lang="ko-KR" altLang="en-US" b="0" i="0" dirty="0">
+                <a:solidFill>
+                  <a:srgbClr val="212529"/>
+                </a:solidFill>
+                <a:effectLst/>
+                <a:latin typeface="Pretendard JP"/>
+              </a:rPr>
+              <a:t>클라이언트 컨텐츠  플레이어 몬스터 맵 </a:t>
+            </a:r>
+            <a:r>
+              <a:rPr lang="ko-KR" altLang="en-US" b="0" i="0" dirty="0" err="1">
+                <a:solidFill>
+                  <a:srgbClr val="212529"/>
+                </a:solidFill>
+                <a:effectLst/>
+                <a:latin typeface="Pretendard JP"/>
+              </a:rPr>
+              <a:t>등등등등</a:t>
+            </a:r>
+            <a:r>
+              <a:rPr lang="en-US" altLang="ko-KR" b="0" i="0" dirty="0">
+                <a:solidFill>
+                  <a:srgbClr val="212529"/>
+                </a:solidFill>
+                <a:effectLst/>
+                <a:latin typeface="Pretendard JP"/>
+              </a:rPr>
+              <a:t>….</a:t>
+            </a:r>
+          </a:p>
+          <a:p>
+            <a:endParaRPr lang="en-US" altLang="ko-KR" dirty="0"/>
+          </a:p>
+        </p:txBody>
+      </p:sp>
     </p:spTree>
     <p:extLst>
       <p:ext uri="{BB962C8B-B14F-4D97-AF65-F5344CB8AC3E}">
